--- a/slide/themes/src/09_dotted.pptx
+++ b/slide/themes/src/09_dotted.pptx
@@ -17,7 +17,7 @@
   <p:notesSz cx="6858000" cy="9144000"/>
   <p:defaultTextStyle>
     <a:defPPr>
-      <a:defRPr lang="ru-RU"/>
+      <a:defRPr lang="en-US"/>
     </a:defPPr>
     <a:lvl1pPr marL="0" algn="l" defTabSz="914400" rtl="0" eaLnBrk="1" latinLnBrk="0" hangingPunct="1">
       <a:defRPr sz="1800" kern="1200">
@@ -137,7 +137,7 @@
       </p:grpSpPr>
       <p:sp>
         <p:nvSpPr>
-          <p:cNvPr id="2" name="Верхний колонтитул 1"/>
+          <p:cNvPr id="2" name="Header Placeholder 1"/>
           <p:cNvSpPr>
             <a:spLocks noGrp="1"/>
           </p:cNvSpPr>
@@ -162,13 +162,13 @@
             </a:lvl1pPr>
           </a:lstStyle>
           <a:p>
-            <a:endParaRPr lang="ru-RU"/>
+            <a:endParaRPr lang="en-US"/>
           </a:p>
         </p:txBody>
       </p:sp>
       <p:sp>
         <p:nvSpPr>
-          <p:cNvPr id="3" name="Дата 2"/>
+          <p:cNvPr id="3" name="Date Placeholder 2"/>
           <p:cNvSpPr>
             <a:spLocks noGrp="1"/>
           </p:cNvSpPr>
@@ -194,16 +194,16 @@
           </a:lstStyle>
           <a:p>
             <a:fld id="{E9627F03-B961-443E-89D9-26A2F305AC2A}" type="datetimeFigureOut">
-              <a:rPr lang="ru-RU" smtClean="0"/>
+              <a:rPr lang="en-US" smtClean="0"/>
               <a:t>22.10.2013</a:t>
             </a:fld>
-            <a:endParaRPr lang="ru-RU"/>
+            <a:endParaRPr lang="en-US"/>
           </a:p>
         </p:txBody>
       </p:sp>
       <p:sp>
         <p:nvSpPr>
-          <p:cNvPr id="4" name="Нижний колонтитул 3"/>
+          <p:cNvPr id="4" name="Footer Placeholder 3"/>
           <p:cNvSpPr>
             <a:spLocks noGrp="1"/>
           </p:cNvSpPr>
@@ -228,13 +228,13 @@
             </a:lvl1pPr>
           </a:lstStyle>
           <a:p>
-            <a:endParaRPr lang="ru-RU"/>
+            <a:endParaRPr lang="en-US"/>
           </a:p>
         </p:txBody>
       </p:sp>
       <p:sp>
         <p:nvSpPr>
-          <p:cNvPr id="5" name="Номер слайда 4"/>
+          <p:cNvPr id="5" name="Slide Number Placeholder 4"/>
           <p:cNvSpPr>
             <a:spLocks noGrp="1"/>
           </p:cNvSpPr>
@@ -260,10 +260,10 @@
           </a:lstStyle>
           <a:p>
             <a:fld id="{6A54AA84-9414-4CBA-AAA6-69B56C449880}" type="slidenum">
-              <a:rPr lang="ru-RU" smtClean="0"/>
+              <a:rPr lang="en-US" smtClean="0"/>
               <a:t>‹#›</a:t>
             </a:fld>
-            <a:endParaRPr lang="ru-RU"/>
+            <a:endParaRPr lang="en-US"/>
           </a:p>
         </p:txBody>
       </p:sp>
@@ -302,7 +302,7 @@
       </p:grpSpPr>
       <p:sp>
         <p:nvSpPr>
-          <p:cNvPr id="2" name="Верхний колонтитул 1"/>
+          <p:cNvPr id="2" name="Header Placeholder 1"/>
           <p:cNvSpPr>
             <a:spLocks noGrp="1"/>
           </p:cNvSpPr>
@@ -327,13 +327,13 @@
             </a:lvl1pPr>
           </a:lstStyle>
           <a:p>
-            <a:endParaRPr lang="ru-RU"/>
+            <a:endParaRPr lang="en-US"/>
           </a:p>
         </p:txBody>
       </p:sp>
       <p:sp>
         <p:nvSpPr>
-          <p:cNvPr id="3" name="Дата 2"/>
+          <p:cNvPr id="3" name="Date Placeholder 2"/>
           <p:cNvSpPr>
             <a:spLocks noGrp="1"/>
           </p:cNvSpPr>
@@ -359,16 +359,16 @@
           </a:lstStyle>
           <a:p>
             <a:fld id="{5F320A76-E120-4F55-9191-01A1CF2B0A52}" type="datetimeFigureOut">
-              <a:rPr lang="ru-RU" smtClean="0"/>
+              <a:rPr lang="en-US" smtClean="0"/>
               <a:t>22.10.2013</a:t>
             </a:fld>
-            <a:endParaRPr lang="ru-RU"/>
+            <a:endParaRPr lang="en-US"/>
           </a:p>
         </p:txBody>
       </p:sp>
       <p:sp>
         <p:nvSpPr>
-          <p:cNvPr id="4" name="Образ слайда 3"/>
+          <p:cNvPr id="4" name="Slide Image Placeholder 3"/>
           <p:cNvSpPr>
             <a:spLocks noGrp="1" noRot="1" noChangeAspect="1"/>
           </p:cNvSpPr>
@@ -395,13 +395,13 @@
           <a:bodyPr vert="horz" lIns="91440" tIns="45720" rIns="91440" bIns="45720" rtlCol="0" anchor="ctr"/>
           <a:lstStyle/>
           <a:p>
-            <a:endParaRPr lang="ru-RU"/>
+            <a:endParaRPr lang="en-US"/>
           </a:p>
         </p:txBody>
       </p:sp>
       <p:sp>
         <p:nvSpPr>
-          <p:cNvPr id="5" name="Заметки 4"/>
+          <p:cNvPr id="5" name="Notes Placeholder 4"/>
           <p:cNvSpPr>
             <a:spLocks noGrp="1"/>
           </p:cNvSpPr>
@@ -424,44 +424,44 @@
           <a:p>
             <a:pPr lvl="0"/>
             <a:r>
-              <a:rPr lang="ru-RU" smtClean="0"/>
-              <a:t>Образец текста</a:t>
+              <a:rPr lang="en-US" smtClean="0"/>
+              <a:t>Click to edit Master text styles</a:t>
             </a:r>
           </a:p>
           <a:p>
             <a:pPr lvl="1"/>
             <a:r>
-              <a:rPr lang="ru-RU" smtClean="0"/>
-              <a:t>Второй уровень</a:t>
+              <a:rPr lang="en-US" smtClean="0"/>
+              <a:t>Second level</a:t>
             </a:r>
           </a:p>
           <a:p>
             <a:pPr lvl="2"/>
             <a:r>
-              <a:rPr lang="ru-RU" smtClean="0"/>
-              <a:t>Третий уровень</a:t>
+              <a:rPr lang="en-US" smtClean="0"/>
+              <a:t>Third level</a:t>
             </a:r>
           </a:p>
           <a:p>
             <a:pPr lvl="3"/>
             <a:r>
-              <a:rPr lang="ru-RU" smtClean="0"/>
-              <a:t>Четвертый уровень</a:t>
+              <a:rPr lang="en-US" smtClean="0"/>
+              <a:t>Fourth level</a:t>
             </a:r>
           </a:p>
           <a:p>
             <a:pPr lvl="4"/>
             <a:r>
-              <a:rPr lang="ru-RU" smtClean="0"/>
-              <a:t>Пятый уровень</a:t>
+              <a:rPr lang="en-US" smtClean="0"/>
+              <a:t>Fifth level</a:t>
             </a:r>
-            <a:endParaRPr lang="ru-RU"/>
+            <a:endParaRPr lang="en-US"/>
           </a:p>
         </p:txBody>
       </p:sp>
       <p:sp>
         <p:nvSpPr>
-          <p:cNvPr id="6" name="Нижний колонтитул 5"/>
+          <p:cNvPr id="6" name="Footer Placeholder 5"/>
           <p:cNvSpPr>
             <a:spLocks noGrp="1"/>
           </p:cNvSpPr>
@@ -486,13 +486,13 @@
             </a:lvl1pPr>
           </a:lstStyle>
           <a:p>
-            <a:endParaRPr lang="ru-RU"/>
+            <a:endParaRPr lang="en-US"/>
           </a:p>
         </p:txBody>
       </p:sp>
       <p:sp>
         <p:nvSpPr>
-          <p:cNvPr id="7" name="Номер слайда 6"/>
+          <p:cNvPr id="7" name="Slide Number Placeholder 6"/>
           <p:cNvSpPr>
             <a:spLocks noGrp="1"/>
           </p:cNvSpPr>
@@ -518,10 +518,10 @@
           </a:lstStyle>
           <a:p>
             <a:fld id="{608A79C3-D7DF-4221-9947-F710CA054124}" type="slidenum">
-              <a:rPr lang="ru-RU" smtClean="0"/>
+              <a:rPr lang="en-US" smtClean="0"/>
               <a:t>‹#›</a:t>
             </a:fld>
-            <a:endParaRPr lang="ru-RU"/>
+            <a:endParaRPr lang="en-US"/>
           </a:p>
         </p:txBody>
       </p:sp>
@@ -647,7 +647,7 @@
       </p:grpSpPr>
       <p:sp>
         <p:nvSpPr>
-          <p:cNvPr id="2" name="Образ слайда 1"/>
+          <p:cNvPr id="2" name="Slide Image Placeholder 1"/>
           <p:cNvSpPr>
             <a:spLocks noGrp="1" noRot="1" noChangeAspect="1"/>
           </p:cNvSpPr>
@@ -664,7 +664,7 @@
       </p:sp>
       <p:sp>
         <p:nvSpPr>
-          <p:cNvPr id="3" name="Заметки 2"/>
+          <p:cNvPr id="3" name="Notes Placeholder 2"/>
           <p:cNvSpPr>
             <a:spLocks noGrp="1"/>
           </p:cNvSpPr>
@@ -677,13 +677,13 @@
           <a:bodyPr/>
           <a:lstStyle/>
           <a:p>
-            <a:endParaRPr lang="ru-RU" dirty="0"/>
+            <a:endParaRPr lang="en-US" dirty="0"/>
           </a:p>
         </p:txBody>
       </p:sp>
       <p:sp>
         <p:nvSpPr>
-          <p:cNvPr id="4" name="Номер слайда 3"/>
+          <p:cNvPr id="4" name="Slide Number Placeholder 3"/>
           <p:cNvSpPr>
             <a:spLocks noGrp="1"/>
           </p:cNvSpPr>
@@ -697,10 +697,10 @@
           <a:lstStyle/>
           <a:p>
             <a:fld id="{608A79C3-D7DF-4221-9947-F710CA054124}" type="slidenum">
-              <a:rPr lang="ru-RU" smtClean="0"/>
+              <a:rPr lang="en-US" smtClean="0"/>
               <a:t>1</a:t>
             </a:fld>
-            <a:endParaRPr lang="ru-RU"/>
+            <a:endParaRPr lang="en-US"/>
           </a:p>
         </p:txBody>
       </p:sp>
@@ -736,7 +736,7 @@
       </p:grpSpPr>
       <p:sp>
         <p:nvSpPr>
-          <p:cNvPr id="3" name="Подзаголовок 2"/>
+          <p:cNvPr id="3" name="Subtitle 2"/>
           <p:cNvSpPr>
             <a:spLocks noGrp="1"/>
           </p:cNvSpPr>
@@ -844,10 +844,10 @@
           </a:lstStyle>
           <a:p>
             <a:r>
-              <a:rPr lang="ru-RU" dirty="0" smtClean="0"/>
-              <a:t>Образец подзаголовка</a:t>
+              <a:rPr lang="en-US" dirty="0" smtClean="0"/>
+              <a:t>Click to edit Master subtitle style</a:t>
             </a:r>
-            <a:endParaRPr lang="ru-RU" dirty="0"/>
+            <a:endParaRPr lang="en-US" dirty="0"/>
           </a:p>
         </p:txBody>
       </p:sp>
@@ -973,7 +973,7 @@
       </p:sp>
       <p:sp>
         <p:nvSpPr>
-          <p:cNvPr id="9" name="Заголовок 8"/>
+          <p:cNvPr id="9" name="Title 8"/>
           <p:cNvSpPr>
             <a:spLocks noGrp="1"/>
           </p:cNvSpPr>
@@ -1000,16 +1000,16 @@
           </a:lstStyle>
           <a:p>
             <a:r>
-              <a:rPr lang="ru-RU" dirty="0" smtClean="0"/>
-              <a:t>Образец заголовка</a:t>
+              <a:rPr lang="en-US" dirty="0" smtClean="0"/>
+              <a:t>Click to edit Master title style</a:t>
             </a:r>
-            <a:endParaRPr lang="ru-RU" dirty="0"/>
+            <a:endParaRPr lang="en-US" dirty="0"/>
           </a:p>
         </p:txBody>
       </p:sp>
       <p:sp>
         <p:nvSpPr>
-          <p:cNvPr id="2" name="Дата 1"/>
+          <p:cNvPr id="2" name="Date Placeholder 1"/>
           <p:cNvSpPr>
             <a:spLocks noGrp="1"/>
           </p:cNvSpPr>
@@ -1023,16 +1023,16 @@
           <a:lstStyle/>
           <a:p>
             <a:fld id="{64DD35C3-21A0-4EF9-918E-2D5226C340E0}" type="datetimeFigureOut">
-              <a:rPr lang="ru-RU" smtClean="0"/>
+              <a:rPr lang="en-US" smtClean="0"/>
               <a:t>22.10.2013</a:t>
             </a:fld>
-            <a:endParaRPr lang="ru-RU"/>
+            <a:endParaRPr lang="en-US"/>
           </a:p>
         </p:txBody>
       </p:sp>
       <p:sp>
         <p:nvSpPr>
-          <p:cNvPr id="4" name="Нижний колонтитул 3"/>
+          <p:cNvPr id="4" name="Footer Placeholder 3"/>
           <p:cNvSpPr>
             <a:spLocks noGrp="1"/>
           </p:cNvSpPr>
@@ -1045,13 +1045,13 @@
           <a:bodyPr/>
           <a:lstStyle/>
           <a:p>
-            <a:endParaRPr lang="ru-RU"/>
+            <a:endParaRPr lang="en-US"/>
           </a:p>
         </p:txBody>
       </p:sp>
       <p:sp>
         <p:nvSpPr>
-          <p:cNvPr id="5" name="Номер слайда 4"/>
+          <p:cNvPr id="5" name="Slide Number Placeholder 4"/>
           <p:cNvSpPr>
             <a:spLocks noGrp="1"/>
           </p:cNvSpPr>
@@ -1065,10 +1065,10 @@
           <a:lstStyle/>
           <a:p>
             <a:fld id="{D4F746F0-B2C7-482B-A33D-CBC53CF30FB7}" type="slidenum">
-              <a:rPr lang="ru-RU" smtClean="0"/>
+              <a:rPr lang="en-US" smtClean="0"/>
               <a:t>‹#›</a:t>
             </a:fld>
-            <a:endParaRPr lang="ru-RU"/>
+            <a:endParaRPr lang="en-US"/>
           </a:p>
         </p:txBody>
       </p:sp>
@@ -1104,7 +1104,7 @@
       </p:grpSpPr>
       <p:sp>
         <p:nvSpPr>
-          <p:cNvPr id="2" name="Заголовок 1"/>
+          <p:cNvPr id="2" name="Title 1"/>
           <p:cNvSpPr>
             <a:spLocks noGrp="1"/>
           </p:cNvSpPr>
@@ -1126,16 +1126,16 @@
           </a:lstStyle>
           <a:p>
             <a:r>
-              <a:rPr lang="ru-RU" dirty="0" smtClean="0"/>
-              <a:t>Образец заголовка</a:t>
+              <a:rPr lang="en-US" dirty="0" smtClean="0"/>
+              <a:t>Click to edit Master title style</a:t>
             </a:r>
-            <a:endParaRPr lang="ru-RU" dirty="0"/>
+            <a:endParaRPr lang="en-US" dirty="0"/>
           </a:p>
         </p:txBody>
       </p:sp>
       <p:sp>
         <p:nvSpPr>
-          <p:cNvPr id="3" name="Вертикальный текст 2"/>
+          <p:cNvPr id="3" name="Vertical Text Placeholder 2"/>
           <p:cNvSpPr>
             <a:spLocks noGrp="1"/>
           </p:cNvSpPr>
@@ -1186,44 +1186,44 @@
           <a:p>
             <a:pPr lvl="0"/>
             <a:r>
-              <a:rPr lang="ru-RU" dirty="0" smtClean="0"/>
-              <a:t>Образец текста</a:t>
+              <a:rPr lang="en-US" dirty="0" smtClean="0"/>
+              <a:t>Click to edit Master text styles</a:t>
             </a:r>
           </a:p>
           <a:p>
             <a:pPr lvl="1"/>
             <a:r>
-              <a:rPr lang="ru-RU" dirty="0" smtClean="0"/>
-              <a:t>Второй уровень</a:t>
+              <a:rPr lang="en-US" dirty="0" smtClean="0"/>
+              <a:t>Second level</a:t>
             </a:r>
           </a:p>
           <a:p>
             <a:pPr lvl="2"/>
             <a:r>
-              <a:rPr lang="ru-RU" dirty="0" smtClean="0"/>
-              <a:t>Третий уровень</a:t>
+              <a:rPr lang="en-US" dirty="0" smtClean="0"/>
+              <a:t>Third level</a:t>
             </a:r>
           </a:p>
           <a:p>
             <a:pPr lvl="3"/>
             <a:r>
-              <a:rPr lang="ru-RU" dirty="0" smtClean="0"/>
-              <a:t>Четвертый уровень</a:t>
+              <a:rPr lang="en-US" dirty="0" smtClean="0"/>
+              <a:t>Fourth level</a:t>
             </a:r>
           </a:p>
           <a:p>
             <a:pPr lvl="4"/>
             <a:r>
-              <a:rPr lang="ru-RU" dirty="0" smtClean="0"/>
-              <a:t>Пятый уровень</a:t>
+              <a:rPr lang="en-US" dirty="0" smtClean="0"/>
+              <a:t>Fifth level</a:t>
             </a:r>
-            <a:endParaRPr lang="ru-RU" dirty="0"/>
+            <a:endParaRPr lang="en-US" dirty="0"/>
           </a:p>
         </p:txBody>
       </p:sp>
       <p:sp>
         <p:nvSpPr>
-          <p:cNvPr id="4" name="Дата 3"/>
+          <p:cNvPr id="4" name="Date Placeholder 3"/>
           <p:cNvSpPr>
             <a:spLocks noGrp="1"/>
           </p:cNvSpPr>
@@ -1237,16 +1237,16 @@
           <a:lstStyle/>
           <a:p>
             <a:fld id="{64DD35C3-21A0-4EF9-918E-2D5226C340E0}" type="datetimeFigureOut">
-              <a:rPr lang="ru-RU" smtClean="0"/>
+              <a:rPr lang="en-US" smtClean="0"/>
               <a:t>22.10.2013</a:t>
             </a:fld>
-            <a:endParaRPr lang="ru-RU"/>
+            <a:endParaRPr lang="en-US"/>
           </a:p>
         </p:txBody>
       </p:sp>
       <p:sp>
         <p:nvSpPr>
-          <p:cNvPr id="5" name="Нижний колонтитул 4"/>
+          <p:cNvPr id="5" name="Footer Placeholder 4"/>
           <p:cNvSpPr>
             <a:spLocks noGrp="1"/>
           </p:cNvSpPr>
@@ -1259,13 +1259,13 @@
           <a:bodyPr/>
           <a:lstStyle/>
           <a:p>
-            <a:endParaRPr lang="ru-RU"/>
+            <a:endParaRPr lang="en-US"/>
           </a:p>
         </p:txBody>
       </p:sp>
       <p:sp>
         <p:nvSpPr>
-          <p:cNvPr id="6" name="Номер слайда 5"/>
+          <p:cNvPr id="6" name="Slide Number Placeholder 5"/>
           <p:cNvSpPr>
             <a:spLocks noGrp="1"/>
           </p:cNvSpPr>
@@ -1279,10 +1279,10 @@
           <a:lstStyle/>
           <a:p>
             <a:fld id="{D4F746F0-B2C7-482B-A33D-CBC53CF30FB7}" type="slidenum">
-              <a:rPr lang="ru-RU" smtClean="0"/>
+              <a:rPr lang="en-US" smtClean="0"/>
               <a:t>‹#›</a:t>
             </a:fld>
-            <a:endParaRPr lang="ru-RU"/>
+            <a:endParaRPr lang="en-US"/>
           </a:p>
         </p:txBody>
       </p:sp>
@@ -1318,7 +1318,7 @@
       </p:grpSpPr>
       <p:sp>
         <p:nvSpPr>
-          <p:cNvPr id="2" name="Вертикальный заголовок 1"/>
+          <p:cNvPr id="2" name="Vertical Title 1"/>
           <p:cNvSpPr>
             <a:spLocks noGrp="1"/>
           </p:cNvSpPr>
@@ -1345,16 +1345,16 @@
           </a:lstStyle>
           <a:p>
             <a:r>
-              <a:rPr lang="ru-RU" dirty="0" smtClean="0"/>
-              <a:t>Образец заголовка</a:t>
+              <a:rPr lang="en-US" dirty="0" smtClean="0"/>
+              <a:t>Click to edit Master title style</a:t>
             </a:r>
-            <a:endParaRPr lang="ru-RU" dirty="0"/>
+            <a:endParaRPr lang="en-US" dirty="0"/>
           </a:p>
         </p:txBody>
       </p:sp>
       <p:sp>
         <p:nvSpPr>
-          <p:cNvPr id="3" name="Вертикальный текст 2"/>
+          <p:cNvPr id="3" name="Vertical Text Placeholder 2"/>
           <p:cNvSpPr>
             <a:spLocks noGrp="1"/>
           </p:cNvSpPr>
@@ -1410,44 +1410,44 @@
           <a:p>
             <a:pPr lvl="0"/>
             <a:r>
-              <a:rPr lang="ru-RU" dirty="0" smtClean="0"/>
-              <a:t>Образец текста</a:t>
+              <a:rPr lang="en-US" dirty="0" smtClean="0"/>
+              <a:t>Click to edit Master text styles</a:t>
             </a:r>
           </a:p>
           <a:p>
             <a:pPr lvl="1"/>
             <a:r>
-              <a:rPr lang="ru-RU" dirty="0" smtClean="0"/>
-              <a:t>Второй уровень</a:t>
+              <a:rPr lang="en-US" dirty="0" smtClean="0"/>
+              <a:t>Second level</a:t>
             </a:r>
           </a:p>
           <a:p>
             <a:pPr lvl="2"/>
             <a:r>
-              <a:rPr lang="ru-RU" dirty="0" smtClean="0"/>
-              <a:t>Третий уровень</a:t>
+              <a:rPr lang="en-US" dirty="0" smtClean="0"/>
+              <a:t>Third level</a:t>
             </a:r>
           </a:p>
           <a:p>
             <a:pPr lvl="3"/>
             <a:r>
-              <a:rPr lang="ru-RU" dirty="0" smtClean="0"/>
-              <a:t>Четвертый уровень</a:t>
+              <a:rPr lang="en-US" dirty="0" smtClean="0"/>
+              <a:t>Fourth level</a:t>
             </a:r>
           </a:p>
           <a:p>
             <a:pPr lvl="4"/>
             <a:r>
-              <a:rPr lang="ru-RU" dirty="0" smtClean="0"/>
-              <a:t>Пятый уровень</a:t>
+              <a:rPr lang="en-US" dirty="0" smtClean="0"/>
+              <a:t>Fifth level</a:t>
             </a:r>
-            <a:endParaRPr lang="ru-RU" dirty="0"/>
+            <a:endParaRPr lang="en-US" dirty="0"/>
           </a:p>
         </p:txBody>
       </p:sp>
       <p:sp>
         <p:nvSpPr>
-          <p:cNvPr id="4" name="Дата 3"/>
+          <p:cNvPr id="4" name="Date Placeholder 3"/>
           <p:cNvSpPr>
             <a:spLocks noGrp="1"/>
           </p:cNvSpPr>
@@ -1461,16 +1461,16 @@
           <a:lstStyle/>
           <a:p>
             <a:fld id="{64DD35C3-21A0-4EF9-918E-2D5226C340E0}" type="datetimeFigureOut">
-              <a:rPr lang="ru-RU" smtClean="0"/>
+              <a:rPr lang="en-US" smtClean="0"/>
               <a:t>22.10.2013</a:t>
             </a:fld>
-            <a:endParaRPr lang="ru-RU"/>
+            <a:endParaRPr lang="en-US"/>
           </a:p>
         </p:txBody>
       </p:sp>
       <p:sp>
         <p:nvSpPr>
-          <p:cNvPr id="5" name="Нижний колонтитул 4"/>
+          <p:cNvPr id="5" name="Footer Placeholder 4"/>
           <p:cNvSpPr>
             <a:spLocks noGrp="1"/>
           </p:cNvSpPr>
@@ -1483,13 +1483,13 @@
           <a:bodyPr/>
           <a:lstStyle/>
           <a:p>
-            <a:endParaRPr lang="ru-RU"/>
+            <a:endParaRPr lang="en-US"/>
           </a:p>
         </p:txBody>
       </p:sp>
       <p:sp>
         <p:nvSpPr>
-          <p:cNvPr id="6" name="Номер слайда 5"/>
+          <p:cNvPr id="6" name="Slide Number Placeholder 5"/>
           <p:cNvSpPr>
             <a:spLocks noGrp="1"/>
           </p:cNvSpPr>
@@ -1503,10 +1503,10 @@
           <a:lstStyle/>
           <a:p>
             <a:fld id="{D4F746F0-B2C7-482B-A33D-CBC53CF30FB7}" type="slidenum">
-              <a:rPr lang="ru-RU" smtClean="0"/>
+              <a:rPr lang="en-US" smtClean="0"/>
               <a:t>‹#›</a:t>
             </a:fld>
-            <a:endParaRPr lang="ru-RU"/>
+            <a:endParaRPr lang="en-US"/>
           </a:p>
         </p:txBody>
       </p:sp>
@@ -1542,7 +1542,7 @@
       </p:grpSpPr>
       <p:sp>
         <p:nvSpPr>
-          <p:cNvPr id="3" name="Объект 2"/>
+          <p:cNvPr id="3" name="Content Placeholder 2"/>
           <p:cNvSpPr>
             <a:spLocks noGrp="1"/>
           </p:cNvSpPr>
@@ -1593,44 +1593,44 @@
           <a:p>
             <a:pPr lvl="0"/>
             <a:r>
-              <a:rPr lang="ru-RU" dirty="0" smtClean="0"/>
-              <a:t>Образец текста</a:t>
+              <a:rPr lang="en-US" dirty="0" smtClean="0"/>
+              <a:t>Click to edit Master text styles</a:t>
             </a:r>
           </a:p>
           <a:p>
             <a:pPr lvl="1"/>
             <a:r>
-              <a:rPr lang="ru-RU" dirty="0" smtClean="0"/>
-              <a:t>Второй уровень</a:t>
+              <a:rPr lang="en-US" dirty="0" smtClean="0"/>
+              <a:t>Second level</a:t>
             </a:r>
           </a:p>
           <a:p>
             <a:pPr lvl="2"/>
             <a:r>
-              <a:rPr lang="ru-RU" dirty="0" smtClean="0"/>
-              <a:t>Третий уровень</a:t>
+              <a:rPr lang="en-US" dirty="0" smtClean="0"/>
+              <a:t>Third level</a:t>
             </a:r>
           </a:p>
           <a:p>
             <a:pPr lvl="3"/>
             <a:r>
-              <a:rPr lang="ru-RU" dirty="0" smtClean="0"/>
-              <a:t>Четвертый уровень</a:t>
+              <a:rPr lang="en-US" dirty="0" smtClean="0"/>
+              <a:t>Fourth level</a:t>
             </a:r>
           </a:p>
           <a:p>
             <a:pPr lvl="4"/>
             <a:r>
-              <a:rPr lang="ru-RU" dirty="0" smtClean="0"/>
-              <a:t>Пятый уровень</a:t>
+              <a:rPr lang="en-US" dirty="0" smtClean="0"/>
+              <a:t>Fifth level</a:t>
             </a:r>
-            <a:endParaRPr lang="ru-RU" dirty="0"/>
+            <a:endParaRPr lang="en-US" dirty="0"/>
           </a:p>
         </p:txBody>
       </p:sp>
       <p:sp>
         <p:nvSpPr>
-          <p:cNvPr id="4" name="Дата 3"/>
+          <p:cNvPr id="4" name="Date Placeholder 3"/>
           <p:cNvSpPr>
             <a:spLocks noGrp="1"/>
           </p:cNvSpPr>
@@ -1644,16 +1644,16 @@
           <a:lstStyle/>
           <a:p>
             <a:fld id="{64DD35C3-21A0-4EF9-918E-2D5226C340E0}" type="datetimeFigureOut">
-              <a:rPr lang="ru-RU" smtClean="0"/>
+              <a:rPr lang="en-US" smtClean="0"/>
               <a:t>22.10.2013</a:t>
             </a:fld>
-            <a:endParaRPr lang="ru-RU"/>
+            <a:endParaRPr lang="en-US"/>
           </a:p>
         </p:txBody>
       </p:sp>
       <p:sp>
         <p:nvSpPr>
-          <p:cNvPr id="5" name="Нижний колонтитул 4"/>
+          <p:cNvPr id="5" name="Footer Placeholder 4"/>
           <p:cNvSpPr>
             <a:spLocks noGrp="1"/>
           </p:cNvSpPr>
@@ -1666,13 +1666,13 @@
           <a:bodyPr/>
           <a:lstStyle/>
           <a:p>
-            <a:endParaRPr lang="ru-RU"/>
+            <a:endParaRPr lang="en-US"/>
           </a:p>
         </p:txBody>
       </p:sp>
       <p:sp>
         <p:nvSpPr>
-          <p:cNvPr id="6" name="Номер слайда 5"/>
+          <p:cNvPr id="6" name="Slide Number Placeholder 5"/>
           <p:cNvSpPr>
             <a:spLocks noGrp="1"/>
           </p:cNvSpPr>
@@ -1686,16 +1686,16 @@
           <a:lstStyle/>
           <a:p>
             <a:fld id="{D4F746F0-B2C7-482B-A33D-CBC53CF30FB7}" type="slidenum">
-              <a:rPr lang="ru-RU" smtClean="0"/>
+              <a:rPr lang="en-US" smtClean="0"/>
               <a:t>‹#›</a:t>
             </a:fld>
-            <a:endParaRPr lang="ru-RU"/>
+            <a:endParaRPr lang="en-US"/>
           </a:p>
         </p:txBody>
       </p:sp>
       <p:sp>
         <p:nvSpPr>
-          <p:cNvPr id="7" name="Заголовок 6"/>
+          <p:cNvPr id="7" name="Title 6"/>
           <p:cNvSpPr>
             <a:spLocks noGrp="1"/>
           </p:cNvSpPr>
@@ -1709,10 +1709,10 @@
           <a:lstStyle/>
           <a:p>
             <a:r>
-              <a:rPr lang="ru-RU" smtClean="0"/>
-              <a:t>Образец заголовка</a:t>
+              <a:rPr lang="en-US" smtClean="0"/>
+              <a:t>Click to edit Master title style</a:t>
             </a:r>
-            <a:endParaRPr lang="ru-RU"/>
+            <a:endParaRPr lang="en-US"/>
           </a:p>
         </p:txBody>
       </p:sp>
@@ -1748,7 +1748,7 @@
       </p:grpSpPr>
       <p:sp>
         <p:nvSpPr>
-          <p:cNvPr id="2" name="Заголовок 1"/>
+          <p:cNvPr id="2" name="Title 1"/>
           <p:cNvSpPr>
             <a:spLocks noGrp="1"/>
           </p:cNvSpPr>
@@ -1775,16 +1775,16 @@
           </a:lstStyle>
           <a:p>
             <a:r>
-              <a:rPr lang="ru-RU" dirty="0" smtClean="0"/>
-              <a:t>Образец заголовка</a:t>
+              <a:rPr lang="en-US" dirty="0" smtClean="0"/>
+              <a:t>Click to edit Master title style</a:t>
             </a:r>
-            <a:endParaRPr lang="ru-RU" dirty="0"/>
+            <a:endParaRPr lang="en-US" dirty="0"/>
           </a:p>
         </p:txBody>
       </p:sp>
       <p:sp>
         <p:nvSpPr>
-          <p:cNvPr id="3" name="Текст 2"/>
+          <p:cNvPr id="3" name="Text Placeholder 2"/>
           <p:cNvSpPr>
             <a:spLocks noGrp="1"/>
           </p:cNvSpPr>
@@ -1893,15 +1893,15 @@
           <a:p>
             <a:pPr lvl="0"/>
             <a:r>
-              <a:rPr lang="ru-RU" dirty="0" smtClean="0"/>
-              <a:t>Образец текста</a:t>
+              <a:rPr lang="en-US" dirty="0" smtClean="0"/>
+              <a:t>Click to edit Master text styles</a:t>
             </a:r>
           </a:p>
         </p:txBody>
       </p:sp>
       <p:sp>
         <p:nvSpPr>
-          <p:cNvPr id="4" name="Дата 3"/>
+          <p:cNvPr id="4" name="Date Placeholder 3"/>
           <p:cNvSpPr>
             <a:spLocks noGrp="1"/>
           </p:cNvSpPr>
@@ -1915,16 +1915,16 @@
           <a:lstStyle/>
           <a:p>
             <a:fld id="{64DD35C3-21A0-4EF9-918E-2D5226C340E0}" type="datetimeFigureOut">
-              <a:rPr lang="ru-RU" smtClean="0"/>
+              <a:rPr lang="en-US" smtClean="0"/>
               <a:t>22.10.2013</a:t>
             </a:fld>
-            <a:endParaRPr lang="ru-RU"/>
+            <a:endParaRPr lang="en-US"/>
           </a:p>
         </p:txBody>
       </p:sp>
       <p:sp>
         <p:nvSpPr>
-          <p:cNvPr id="5" name="Нижний колонтитул 4"/>
+          <p:cNvPr id="5" name="Footer Placeholder 4"/>
           <p:cNvSpPr>
             <a:spLocks noGrp="1"/>
           </p:cNvSpPr>
@@ -1937,13 +1937,13 @@
           <a:bodyPr/>
           <a:lstStyle/>
           <a:p>
-            <a:endParaRPr lang="ru-RU"/>
+            <a:endParaRPr lang="en-US"/>
           </a:p>
         </p:txBody>
       </p:sp>
       <p:sp>
         <p:nvSpPr>
-          <p:cNvPr id="6" name="Номер слайда 5"/>
+          <p:cNvPr id="6" name="Slide Number Placeholder 5"/>
           <p:cNvSpPr>
             <a:spLocks noGrp="1"/>
           </p:cNvSpPr>
@@ -1957,10 +1957,10 @@
           <a:lstStyle/>
           <a:p>
             <a:fld id="{D4F746F0-B2C7-482B-A33D-CBC53CF30FB7}" type="slidenum">
-              <a:rPr lang="ru-RU" smtClean="0"/>
+              <a:rPr lang="en-US" smtClean="0"/>
               <a:t>‹#›</a:t>
             </a:fld>
-            <a:endParaRPr lang="ru-RU"/>
+            <a:endParaRPr lang="en-US"/>
           </a:p>
         </p:txBody>
       </p:sp>
@@ -1996,7 +1996,7 @@
       </p:grpSpPr>
       <p:sp>
         <p:nvSpPr>
-          <p:cNvPr id="3" name="Объект 2"/>
+          <p:cNvPr id="3" name="Content Placeholder 2"/>
           <p:cNvSpPr>
             <a:spLocks noGrp="1"/>
           </p:cNvSpPr>
@@ -2064,44 +2064,44 @@
           <a:p>
             <a:pPr lvl="0"/>
             <a:r>
-              <a:rPr lang="ru-RU" dirty="0" smtClean="0"/>
-              <a:t>Образец текста</a:t>
+              <a:rPr lang="en-US" dirty="0" smtClean="0"/>
+              <a:t>Click to edit Master text styles</a:t>
             </a:r>
           </a:p>
           <a:p>
             <a:pPr lvl="1"/>
             <a:r>
-              <a:rPr lang="ru-RU" dirty="0" smtClean="0"/>
-              <a:t>Второй уровень</a:t>
+              <a:rPr lang="en-US" dirty="0" smtClean="0"/>
+              <a:t>Second level</a:t>
             </a:r>
           </a:p>
           <a:p>
             <a:pPr lvl="2"/>
             <a:r>
-              <a:rPr lang="ru-RU" dirty="0" smtClean="0"/>
-              <a:t>Третий уровень</a:t>
+              <a:rPr lang="en-US" dirty="0" smtClean="0"/>
+              <a:t>Third level</a:t>
             </a:r>
           </a:p>
           <a:p>
             <a:pPr lvl="3"/>
             <a:r>
-              <a:rPr lang="ru-RU" dirty="0" smtClean="0"/>
-              <a:t>Четвертый уровень</a:t>
+              <a:rPr lang="en-US" dirty="0" smtClean="0"/>
+              <a:t>Fourth level</a:t>
             </a:r>
           </a:p>
           <a:p>
             <a:pPr lvl="4"/>
             <a:r>
-              <a:rPr lang="ru-RU" dirty="0" smtClean="0"/>
-              <a:t>Пятый уровень</a:t>
+              <a:rPr lang="en-US" dirty="0" smtClean="0"/>
+              <a:t>Fifth level</a:t>
             </a:r>
-            <a:endParaRPr lang="ru-RU" dirty="0"/>
+            <a:endParaRPr lang="en-US" dirty="0"/>
           </a:p>
         </p:txBody>
       </p:sp>
       <p:sp>
         <p:nvSpPr>
-          <p:cNvPr id="4" name="Объект 3"/>
+          <p:cNvPr id="4" name="Content Placeholder 3"/>
           <p:cNvSpPr>
             <a:spLocks noGrp="1"/>
           </p:cNvSpPr>
@@ -2169,44 +2169,44 @@
           <a:p>
             <a:pPr lvl="0"/>
             <a:r>
-              <a:rPr lang="ru-RU" dirty="0" smtClean="0"/>
-              <a:t>Образец текста</a:t>
+              <a:rPr lang="en-US" dirty="0" smtClean="0"/>
+              <a:t>Click to edit Master text styles</a:t>
             </a:r>
           </a:p>
           <a:p>
             <a:pPr lvl="1"/>
             <a:r>
-              <a:rPr lang="ru-RU" dirty="0" smtClean="0"/>
-              <a:t>Второй уровень</a:t>
+              <a:rPr lang="en-US" dirty="0" smtClean="0"/>
+              <a:t>Second level</a:t>
             </a:r>
           </a:p>
           <a:p>
             <a:pPr lvl="2"/>
             <a:r>
-              <a:rPr lang="ru-RU" dirty="0" smtClean="0"/>
-              <a:t>Третий уровень</a:t>
+              <a:rPr lang="en-US" dirty="0" smtClean="0"/>
+              <a:t>Third level</a:t>
             </a:r>
           </a:p>
           <a:p>
             <a:pPr lvl="3"/>
             <a:r>
-              <a:rPr lang="ru-RU" dirty="0" smtClean="0"/>
-              <a:t>Четвертый уровень</a:t>
+              <a:rPr lang="en-US" dirty="0" smtClean="0"/>
+              <a:t>Fourth level</a:t>
             </a:r>
           </a:p>
           <a:p>
             <a:pPr lvl="4"/>
             <a:r>
-              <a:rPr lang="ru-RU" dirty="0" smtClean="0"/>
-              <a:t>Пятый уровень</a:t>
+              <a:rPr lang="en-US" dirty="0" smtClean="0"/>
+              <a:t>Fifth level</a:t>
             </a:r>
-            <a:endParaRPr lang="ru-RU" dirty="0"/>
+            <a:endParaRPr lang="en-US" dirty="0"/>
           </a:p>
         </p:txBody>
       </p:sp>
       <p:sp>
         <p:nvSpPr>
-          <p:cNvPr id="8" name="Заголовок 7"/>
+          <p:cNvPr id="8" name="Title 7"/>
           <p:cNvSpPr>
             <a:spLocks noGrp="1"/>
           </p:cNvSpPr>
@@ -2220,16 +2220,16 @@
           <a:lstStyle/>
           <a:p>
             <a:r>
-              <a:rPr lang="ru-RU" smtClean="0"/>
-              <a:t>Образец заголовка</a:t>
+              <a:rPr lang="en-US" smtClean="0"/>
+              <a:t>Click to edit Master title style</a:t>
             </a:r>
-            <a:endParaRPr lang="ru-RU"/>
+            <a:endParaRPr lang="en-US"/>
           </a:p>
         </p:txBody>
       </p:sp>
       <p:sp>
         <p:nvSpPr>
-          <p:cNvPr id="9" name="Дата 8"/>
+          <p:cNvPr id="9" name="Date Placeholder 8"/>
           <p:cNvSpPr>
             <a:spLocks noGrp="1"/>
           </p:cNvSpPr>
@@ -2243,16 +2243,16 @@
           <a:lstStyle/>
           <a:p>
             <a:fld id="{64DD35C3-21A0-4EF9-918E-2D5226C340E0}" type="datetimeFigureOut">
-              <a:rPr lang="ru-RU" smtClean="0"/>
+              <a:rPr lang="en-US" smtClean="0"/>
               <a:t>22.10.2013</a:t>
             </a:fld>
-            <a:endParaRPr lang="ru-RU"/>
+            <a:endParaRPr lang="en-US"/>
           </a:p>
         </p:txBody>
       </p:sp>
       <p:sp>
         <p:nvSpPr>
-          <p:cNvPr id="10" name="Нижний колонтитул 9"/>
+          <p:cNvPr id="10" name="Footer Placeholder 9"/>
           <p:cNvSpPr>
             <a:spLocks noGrp="1"/>
           </p:cNvSpPr>
@@ -2265,13 +2265,13 @@
           <a:bodyPr/>
           <a:lstStyle/>
           <a:p>
-            <a:endParaRPr lang="ru-RU"/>
+            <a:endParaRPr lang="en-US"/>
           </a:p>
         </p:txBody>
       </p:sp>
       <p:sp>
         <p:nvSpPr>
-          <p:cNvPr id="11" name="Номер слайда 10"/>
+          <p:cNvPr id="11" name="Slide Number Placeholder 10"/>
           <p:cNvSpPr>
             <a:spLocks noGrp="1"/>
           </p:cNvSpPr>
@@ -2285,10 +2285,10 @@
           <a:lstStyle/>
           <a:p>
             <a:fld id="{D4F746F0-B2C7-482B-A33D-CBC53CF30FB7}" type="slidenum">
-              <a:rPr lang="ru-RU" smtClean="0"/>
+              <a:rPr lang="en-US" smtClean="0"/>
               <a:t>‹#›</a:t>
             </a:fld>
-            <a:endParaRPr lang="ru-RU"/>
+            <a:endParaRPr lang="en-US"/>
           </a:p>
         </p:txBody>
       </p:sp>
@@ -2324,7 +2324,7 @@
       </p:grpSpPr>
       <p:sp>
         <p:nvSpPr>
-          <p:cNvPr id="2" name="Заголовок 1"/>
+          <p:cNvPr id="2" name="Title 1"/>
           <p:cNvSpPr>
             <a:spLocks noGrp="1"/>
           </p:cNvSpPr>
@@ -2346,16 +2346,16 @@
           </a:lstStyle>
           <a:p>
             <a:r>
-              <a:rPr lang="ru-RU" dirty="0" smtClean="0"/>
-              <a:t>Образец заголовка</a:t>
+              <a:rPr lang="en-US" dirty="0" smtClean="0"/>
+              <a:t>Click to edit Master title style</a:t>
             </a:r>
-            <a:endParaRPr lang="ru-RU" dirty="0"/>
+            <a:endParaRPr lang="en-US" dirty="0"/>
           </a:p>
         </p:txBody>
       </p:sp>
       <p:sp>
         <p:nvSpPr>
-          <p:cNvPr id="3" name="Текст 2"/>
+          <p:cNvPr id="3" name="Text Placeholder 2"/>
           <p:cNvSpPr>
             <a:spLocks noGrp="1"/>
           </p:cNvSpPr>
@@ -2416,15 +2416,15 @@
           <a:p>
             <a:pPr lvl="0"/>
             <a:r>
-              <a:rPr lang="ru-RU" dirty="0" smtClean="0"/>
-              <a:t>Образец текста</a:t>
+              <a:rPr lang="en-US" dirty="0" smtClean="0"/>
+              <a:t>Click to edit Master text styles</a:t>
             </a:r>
           </a:p>
         </p:txBody>
       </p:sp>
       <p:sp>
         <p:nvSpPr>
-          <p:cNvPr id="4" name="Объект 3"/>
+          <p:cNvPr id="4" name="Content Placeholder 3"/>
           <p:cNvSpPr>
             <a:spLocks noGrp="1"/>
           </p:cNvSpPr>
@@ -2492,44 +2492,44 @@
           <a:p>
             <a:pPr lvl="0"/>
             <a:r>
-              <a:rPr lang="ru-RU" dirty="0" smtClean="0"/>
-              <a:t>Образец текста</a:t>
+              <a:rPr lang="en-US" dirty="0" smtClean="0"/>
+              <a:t>Click to edit Master text styles</a:t>
             </a:r>
           </a:p>
           <a:p>
             <a:pPr lvl="1"/>
             <a:r>
-              <a:rPr lang="ru-RU" dirty="0" smtClean="0"/>
-              <a:t>Второй уровень</a:t>
+              <a:rPr lang="en-US" dirty="0" smtClean="0"/>
+              <a:t>Second level</a:t>
             </a:r>
           </a:p>
           <a:p>
             <a:pPr lvl="2"/>
             <a:r>
-              <a:rPr lang="ru-RU" dirty="0" smtClean="0"/>
-              <a:t>Третий уровень</a:t>
+              <a:rPr lang="en-US" dirty="0" smtClean="0"/>
+              <a:t>Third level</a:t>
             </a:r>
           </a:p>
           <a:p>
             <a:pPr lvl="3"/>
             <a:r>
-              <a:rPr lang="ru-RU" dirty="0" smtClean="0"/>
-              <a:t>Четвертый уровень</a:t>
+              <a:rPr lang="en-US" dirty="0" smtClean="0"/>
+              <a:t>Fourth level</a:t>
             </a:r>
           </a:p>
           <a:p>
             <a:pPr lvl="4"/>
             <a:r>
-              <a:rPr lang="ru-RU" dirty="0" smtClean="0"/>
-              <a:t>Пятый уровень</a:t>
+              <a:rPr lang="en-US" dirty="0" smtClean="0"/>
+              <a:t>Fifth level</a:t>
             </a:r>
-            <a:endParaRPr lang="ru-RU" dirty="0"/>
+            <a:endParaRPr lang="en-US" dirty="0"/>
           </a:p>
         </p:txBody>
       </p:sp>
       <p:sp>
         <p:nvSpPr>
-          <p:cNvPr id="5" name="Текст 4"/>
+          <p:cNvPr id="5" name="Text Placeholder 4"/>
           <p:cNvSpPr>
             <a:spLocks noGrp="1"/>
           </p:cNvSpPr>
@@ -2590,15 +2590,15 @@
           <a:p>
             <a:pPr lvl="0"/>
             <a:r>
-              <a:rPr lang="ru-RU" dirty="0" smtClean="0"/>
-              <a:t>Образец текста</a:t>
+              <a:rPr lang="en-US" dirty="0" smtClean="0"/>
+              <a:t>Click to edit Master text styles</a:t>
             </a:r>
           </a:p>
         </p:txBody>
       </p:sp>
       <p:sp>
         <p:nvSpPr>
-          <p:cNvPr id="6" name="Объект 5"/>
+          <p:cNvPr id="6" name="Content Placeholder 5"/>
           <p:cNvSpPr>
             <a:spLocks noGrp="1"/>
           </p:cNvSpPr>
@@ -2666,44 +2666,44 @@
           <a:p>
             <a:pPr lvl="0"/>
             <a:r>
-              <a:rPr lang="ru-RU" dirty="0" smtClean="0"/>
-              <a:t>Образец текста</a:t>
+              <a:rPr lang="en-US" dirty="0" smtClean="0"/>
+              <a:t>Click to edit Master text styles</a:t>
             </a:r>
           </a:p>
           <a:p>
             <a:pPr lvl="1"/>
             <a:r>
-              <a:rPr lang="ru-RU" dirty="0" smtClean="0"/>
-              <a:t>Второй уровень</a:t>
+              <a:rPr lang="en-US" dirty="0" smtClean="0"/>
+              <a:t>Second level</a:t>
             </a:r>
           </a:p>
           <a:p>
             <a:pPr lvl="2"/>
             <a:r>
-              <a:rPr lang="ru-RU" dirty="0" smtClean="0"/>
-              <a:t>Третий уровень</a:t>
+              <a:rPr lang="en-US" dirty="0" smtClean="0"/>
+              <a:t>Third level</a:t>
             </a:r>
           </a:p>
           <a:p>
             <a:pPr lvl="3"/>
             <a:r>
-              <a:rPr lang="ru-RU" dirty="0" smtClean="0"/>
-              <a:t>Четвертый уровень</a:t>
+              <a:rPr lang="en-US" dirty="0" smtClean="0"/>
+              <a:t>Fourth level</a:t>
             </a:r>
           </a:p>
           <a:p>
             <a:pPr lvl="4"/>
             <a:r>
-              <a:rPr lang="ru-RU" dirty="0" smtClean="0"/>
-              <a:t>Пятый уровень</a:t>
+              <a:rPr lang="en-US" dirty="0" smtClean="0"/>
+              <a:t>Fifth level</a:t>
             </a:r>
-            <a:endParaRPr lang="ru-RU" dirty="0"/>
+            <a:endParaRPr lang="en-US" dirty="0"/>
           </a:p>
         </p:txBody>
       </p:sp>
       <p:sp>
         <p:nvSpPr>
-          <p:cNvPr id="7" name="Дата 6"/>
+          <p:cNvPr id="7" name="Date Placeholder 6"/>
           <p:cNvSpPr>
             <a:spLocks noGrp="1"/>
           </p:cNvSpPr>
@@ -2717,16 +2717,16 @@
           <a:lstStyle/>
           <a:p>
             <a:fld id="{64DD35C3-21A0-4EF9-918E-2D5226C340E0}" type="datetimeFigureOut">
-              <a:rPr lang="ru-RU" smtClean="0"/>
+              <a:rPr lang="en-US" smtClean="0"/>
               <a:t>22.10.2013</a:t>
             </a:fld>
-            <a:endParaRPr lang="ru-RU"/>
+            <a:endParaRPr lang="en-US"/>
           </a:p>
         </p:txBody>
       </p:sp>
       <p:sp>
         <p:nvSpPr>
-          <p:cNvPr id="8" name="Нижний колонтитул 7"/>
+          <p:cNvPr id="8" name="Footer Placeholder 7"/>
           <p:cNvSpPr>
             <a:spLocks noGrp="1"/>
           </p:cNvSpPr>
@@ -2739,13 +2739,13 @@
           <a:bodyPr/>
           <a:lstStyle/>
           <a:p>
-            <a:endParaRPr lang="ru-RU"/>
+            <a:endParaRPr lang="en-US"/>
           </a:p>
         </p:txBody>
       </p:sp>
       <p:sp>
         <p:nvSpPr>
-          <p:cNvPr id="9" name="Номер слайда 8"/>
+          <p:cNvPr id="9" name="Slide Number Placeholder 8"/>
           <p:cNvSpPr>
             <a:spLocks noGrp="1"/>
           </p:cNvSpPr>
@@ -2759,10 +2759,10 @@
           <a:lstStyle/>
           <a:p>
             <a:fld id="{D4F746F0-B2C7-482B-A33D-CBC53CF30FB7}" type="slidenum">
-              <a:rPr lang="ru-RU" smtClean="0"/>
+              <a:rPr lang="en-US" smtClean="0"/>
               <a:t>‹#›</a:t>
             </a:fld>
-            <a:endParaRPr lang="ru-RU"/>
+            <a:endParaRPr lang="en-US"/>
           </a:p>
         </p:txBody>
       </p:sp>
@@ -2798,7 +2798,7 @@
       </p:grpSpPr>
       <p:sp>
         <p:nvSpPr>
-          <p:cNvPr id="2" name="Заголовок 1"/>
+          <p:cNvPr id="2" name="Title 1"/>
           <p:cNvSpPr>
             <a:spLocks noGrp="1"/>
           </p:cNvSpPr>
@@ -2820,16 +2820,16 @@
           </a:lstStyle>
           <a:p>
             <a:r>
-              <a:rPr lang="ru-RU" dirty="0" smtClean="0"/>
-              <a:t>Образец заголовка</a:t>
+              <a:rPr lang="en-US" dirty="0" smtClean="0"/>
+              <a:t>Click to edit Master title style</a:t>
             </a:r>
-            <a:endParaRPr lang="ru-RU" dirty="0"/>
+            <a:endParaRPr lang="en-US" dirty="0"/>
           </a:p>
         </p:txBody>
       </p:sp>
       <p:sp>
         <p:nvSpPr>
-          <p:cNvPr id="3" name="Дата 2"/>
+          <p:cNvPr id="3" name="Date Placeholder 2"/>
           <p:cNvSpPr>
             <a:spLocks noGrp="1"/>
           </p:cNvSpPr>
@@ -2843,16 +2843,16 @@
           <a:lstStyle/>
           <a:p>
             <a:fld id="{64DD35C3-21A0-4EF9-918E-2D5226C340E0}" type="datetimeFigureOut">
-              <a:rPr lang="ru-RU" smtClean="0"/>
+              <a:rPr lang="en-US" smtClean="0"/>
               <a:t>22.10.2013</a:t>
             </a:fld>
-            <a:endParaRPr lang="ru-RU"/>
+            <a:endParaRPr lang="en-US"/>
           </a:p>
         </p:txBody>
       </p:sp>
       <p:sp>
         <p:nvSpPr>
-          <p:cNvPr id="4" name="Нижний колонтитул 3"/>
+          <p:cNvPr id="4" name="Footer Placeholder 3"/>
           <p:cNvSpPr>
             <a:spLocks noGrp="1"/>
           </p:cNvSpPr>
@@ -2865,13 +2865,13 @@
           <a:bodyPr/>
           <a:lstStyle/>
           <a:p>
-            <a:endParaRPr lang="ru-RU"/>
+            <a:endParaRPr lang="en-US"/>
           </a:p>
         </p:txBody>
       </p:sp>
       <p:sp>
         <p:nvSpPr>
-          <p:cNvPr id="5" name="Номер слайда 4"/>
+          <p:cNvPr id="5" name="Slide Number Placeholder 4"/>
           <p:cNvSpPr>
             <a:spLocks noGrp="1"/>
           </p:cNvSpPr>
@@ -2885,10 +2885,10 @@
           <a:lstStyle/>
           <a:p>
             <a:fld id="{D4F746F0-B2C7-482B-A33D-CBC53CF30FB7}" type="slidenum">
-              <a:rPr lang="ru-RU" smtClean="0"/>
+              <a:rPr lang="en-US" smtClean="0"/>
               <a:t>‹#›</a:t>
             </a:fld>
-            <a:endParaRPr lang="ru-RU"/>
+            <a:endParaRPr lang="en-US"/>
           </a:p>
         </p:txBody>
       </p:sp>
@@ -2924,7 +2924,7 @@
       </p:grpSpPr>
       <p:sp>
         <p:nvSpPr>
-          <p:cNvPr id="5" name="Дата 4"/>
+          <p:cNvPr id="5" name="Date Placeholder 4"/>
           <p:cNvSpPr>
             <a:spLocks noGrp="1"/>
           </p:cNvSpPr>
@@ -2938,16 +2938,16 @@
           <a:lstStyle/>
           <a:p>
             <a:fld id="{64DD35C3-21A0-4EF9-918E-2D5226C340E0}" type="datetimeFigureOut">
-              <a:rPr lang="ru-RU" smtClean="0"/>
+              <a:rPr lang="en-US" smtClean="0"/>
               <a:t>22.10.2013</a:t>
             </a:fld>
-            <a:endParaRPr lang="ru-RU"/>
+            <a:endParaRPr lang="en-US"/>
           </a:p>
         </p:txBody>
       </p:sp>
       <p:sp>
         <p:nvSpPr>
-          <p:cNvPr id="6" name="Нижний колонтитул 5"/>
+          <p:cNvPr id="6" name="Footer Placeholder 5"/>
           <p:cNvSpPr>
             <a:spLocks noGrp="1"/>
           </p:cNvSpPr>
@@ -2960,13 +2960,13 @@
           <a:bodyPr/>
           <a:lstStyle/>
           <a:p>
-            <a:endParaRPr lang="ru-RU"/>
+            <a:endParaRPr lang="en-US"/>
           </a:p>
         </p:txBody>
       </p:sp>
       <p:sp>
         <p:nvSpPr>
-          <p:cNvPr id="7" name="Номер слайда 6"/>
+          <p:cNvPr id="7" name="Slide Number Placeholder 6"/>
           <p:cNvSpPr>
             <a:spLocks noGrp="1"/>
           </p:cNvSpPr>
@@ -2980,10 +2980,10 @@
           <a:lstStyle/>
           <a:p>
             <a:fld id="{D4F746F0-B2C7-482B-A33D-CBC53CF30FB7}" type="slidenum">
-              <a:rPr lang="ru-RU" smtClean="0"/>
+              <a:rPr lang="en-US" smtClean="0"/>
               <a:t>‹#›</a:t>
             </a:fld>
-            <a:endParaRPr lang="ru-RU"/>
+            <a:endParaRPr lang="en-US"/>
           </a:p>
         </p:txBody>
       </p:sp>
@@ -3019,7 +3019,7 @@
       </p:grpSpPr>
       <p:sp>
         <p:nvSpPr>
-          <p:cNvPr id="2" name="Заголовок 1"/>
+          <p:cNvPr id="2" name="Title 1"/>
           <p:cNvSpPr>
             <a:spLocks noGrp="1"/>
           </p:cNvSpPr>
@@ -3048,16 +3048,16 @@
           </a:lstStyle>
           <a:p>
             <a:r>
-              <a:rPr lang="ru-RU" dirty="0" smtClean="0"/>
-              <a:t>Образец заголовка</a:t>
+              <a:rPr lang="en-US" dirty="0" smtClean="0"/>
+              <a:t>Click to edit Master title style</a:t>
             </a:r>
-            <a:endParaRPr lang="ru-RU" dirty="0"/>
+            <a:endParaRPr lang="en-US" dirty="0"/>
           </a:p>
         </p:txBody>
       </p:sp>
       <p:sp>
         <p:nvSpPr>
-          <p:cNvPr id="3" name="Объект 2"/>
+          <p:cNvPr id="3" name="Content Placeholder 2"/>
           <p:cNvSpPr>
             <a:spLocks noGrp="1"/>
           </p:cNvSpPr>
@@ -3125,44 +3125,44 @@
           <a:p>
             <a:pPr lvl="0"/>
             <a:r>
-              <a:rPr lang="ru-RU" dirty="0" smtClean="0"/>
-              <a:t>Образец текста</a:t>
+              <a:rPr lang="en-US" dirty="0" smtClean="0"/>
+              <a:t>Click to edit Master text styles</a:t>
             </a:r>
           </a:p>
           <a:p>
             <a:pPr lvl="1"/>
             <a:r>
-              <a:rPr lang="ru-RU" dirty="0" smtClean="0"/>
-              <a:t>Второй уровень</a:t>
+              <a:rPr lang="en-US" dirty="0" smtClean="0"/>
+              <a:t>Second level</a:t>
             </a:r>
           </a:p>
           <a:p>
             <a:pPr lvl="2"/>
             <a:r>
-              <a:rPr lang="ru-RU" dirty="0" smtClean="0"/>
-              <a:t>Третий уровень</a:t>
+              <a:rPr lang="en-US" dirty="0" smtClean="0"/>
+              <a:t>Third level</a:t>
             </a:r>
           </a:p>
           <a:p>
             <a:pPr lvl="3"/>
             <a:r>
-              <a:rPr lang="ru-RU" dirty="0" smtClean="0"/>
-              <a:t>Четвертый уровень</a:t>
+              <a:rPr lang="en-US" dirty="0" smtClean="0"/>
+              <a:t>Fourth level</a:t>
             </a:r>
           </a:p>
           <a:p>
             <a:pPr lvl="4"/>
             <a:r>
-              <a:rPr lang="ru-RU" dirty="0" smtClean="0"/>
-              <a:t>Пятый уровень</a:t>
+              <a:rPr lang="en-US" dirty="0" smtClean="0"/>
+              <a:t>Fifth level</a:t>
             </a:r>
-            <a:endParaRPr lang="ru-RU" dirty="0"/>
+            <a:endParaRPr lang="en-US" dirty="0"/>
           </a:p>
         </p:txBody>
       </p:sp>
       <p:sp>
         <p:nvSpPr>
-          <p:cNvPr id="4" name="Текст 3"/>
+          <p:cNvPr id="4" name="Text Placeholder 3"/>
           <p:cNvSpPr>
             <a:spLocks noGrp="1"/>
           </p:cNvSpPr>
@@ -3223,15 +3223,15 @@
           <a:p>
             <a:pPr lvl="0"/>
             <a:r>
-              <a:rPr lang="ru-RU" dirty="0" smtClean="0"/>
-              <a:t>Образец текста</a:t>
+              <a:rPr lang="en-US" dirty="0" smtClean="0"/>
+              <a:t>Click to edit Master text styles</a:t>
             </a:r>
           </a:p>
         </p:txBody>
       </p:sp>
       <p:sp>
         <p:nvSpPr>
-          <p:cNvPr id="5" name="Дата 4"/>
+          <p:cNvPr id="5" name="Date Placeholder 4"/>
           <p:cNvSpPr>
             <a:spLocks noGrp="1"/>
           </p:cNvSpPr>
@@ -3245,16 +3245,16 @@
           <a:lstStyle/>
           <a:p>
             <a:fld id="{64DD35C3-21A0-4EF9-918E-2D5226C340E0}" type="datetimeFigureOut">
-              <a:rPr lang="ru-RU" smtClean="0"/>
+              <a:rPr lang="en-US" smtClean="0"/>
               <a:t>22.10.2013</a:t>
             </a:fld>
-            <a:endParaRPr lang="ru-RU"/>
+            <a:endParaRPr lang="en-US"/>
           </a:p>
         </p:txBody>
       </p:sp>
       <p:sp>
         <p:nvSpPr>
-          <p:cNvPr id="6" name="Нижний колонтитул 5"/>
+          <p:cNvPr id="6" name="Footer Placeholder 5"/>
           <p:cNvSpPr>
             <a:spLocks noGrp="1"/>
           </p:cNvSpPr>
@@ -3267,13 +3267,13 @@
           <a:bodyPr/>
           <a:lstStyle/>
           <a:p>
-            <a:endParaRPr lang="ru-RU"/>
+            <a:endParaRPr lang="en-US"/>
           </a:p>
         </p:txBody>
       </p:sp>
       <p:sp>
         <p:nvSpPr>
-          <p:cNvPr id="7" name="Номер слайда 6"/>
+          <p:cNvPr id="7" name="Slide Number Placeholder 6"/>
           <p:cNvSpPr>
             <a:spLocks noGrp="1"/>
           </p:cNvSpPr>
@@ -3287,10 +3287,10 @@
           <a:lstStyle/>
           <a:p>
             <a:fld id="{D4F746F0-B2C7-482B-A33D-CBC53CF30FB7}" type="slidenum">
-              <a:rPr lang="ru-RU" smtClean="0"/>
+              <a:rPr lang="en-US" smtClean="0"/>
               <a:t>‹#›</a:t>
             </a:fld>
-            <a:endParaRPr lang="ru-RU"/>
+            <a:endParaRPr lang="en-US"/>
           </a:p>
         </p:txBody>
       </p:sp>
@@ -3326,7 +3326,7 @@
       </p:grpSpPr>
       <p:sp>
         <p:nvSpPr>
-          <p:cNvPr id="2" name="Заголовок 1"/>
+          <p:cNvPr id="2" name="Title 1"/>
           <p:cNvSpPr>
             <a:spLocks noGrp="1"/>
           </p:cNvSpPr>
@@ -3353,16 +3353,16 @@
           </a:lstStyle>
           <a:p>
             <a:r>
-              <a:rPr lang="ru-RU" dirty="0" smtClean="0"/>
-              <a:t>Образец заголовка</a:t>
+              <a:rPr lang="en-US" dirty="0" smtClean="0"/>
+              <a:t>Click to edit Master title style</a:t>
             </a:r>
-            <a:endParaRPr lang="ru-RU" dirty="0"/>
+            <a:endParaRPr lang="en-US" dirty="0"/>
           </a:p>
         </p:txBody>
       </p:sp>
       <p:sp>
         <p:nvSpPr>
-          <p:cNvPr id="3" name="Рисунок 2"/>
+          <p:cNvPr id="3" name="Picture Placeholder 2"/>
           <p:cNvSpPr>
             <a:spLocks noGrp="1"/>
           </p:cNvSpPr>
@@ -3421,13 +3421,13 @@
             </a:lvl9pPr>
           </a:lstStyle>
           <a:p>
-            <a:endParaRPr lang="ru-RU" dirty="0"/>
+            <a:endParaRPr lang="en-US" dirty="0"/>
           </a:p>
         </p:txBody>
       </p:sp>
       <p:sp>
         <p:nvSpPr>
-          <p:cNvPr id="4" name="Текст 3"/>
+          <p:cNvPr id="4" name="Text Placeholder 3"/>
           <p:cNvSpPr>
             <a:spLocks noGrp="1"/>
           </p:cNvSpPr>
@@ -3488,15 +3488,15 @@
           <a:p>
             <a:pPr lvl="0"/>
             <a:r>
-              <a:rPr lang="ru-RU" dirty="0" smtClean="0"/>
-              <a:t>Образец текста</a:t>
+              <a:rPr lang="en-US" dirty="0" smtClean="0"/>
+              <a:t>Click to edit Master text styles</a:t>
             </a:r>
           </a:p>
         </p:txBody>
       </p:sp>
       <p:sp>
         <p:nvSpPr>
-          <p:cNvPr id="5" name="Дата 4"/>
+          <p:cNvPr id="5" name="Date Placeholder 4"/>
           <p:cNvSpPr>
             <a:spLocks noGrp="1"/>
           </p:cNvSpPr>
@@ -3510,16 +3510,16 @@
           <a:lstStyle/>
           <a:p>
             <a:fld id="{64DD35C3-21A0-4EF9-918E-2D5226C340E0}" type="datetimeFigureOut">
-              <a:rPr lang="ru-RU" smtClean="0"/>
+              <a:rPr lang="en-US" smtClean="0"/>
               <a:t>22.10.2013</a:t>
             </a:fld>
-            <a:endParaRPr lang="ru-RU"/>
+            <a:endParaRPr lang="en-US"/>
           </a:p>
         </p:txBody>
       </p:sp>
       <p:sp>
         <p:nvSpPr>
-          <p:cNvPr id="6" name="Нижний колонтитул 5"/>
+          <p:cNvPr id="6" name="Footer Placeholder 5"/>
           <p:cNvSpPr>
             <a:spLocks noGrp="1"/>
           </p:cNvSpPr>
@@ -3532,13 +3532,13 @@
           <a:bodyPr/>
           <a:lstStyle/>
           <a:p>
-            <a:endParaRPr lang="ru-RU"/>
+            <a:endParaRPr lang="en-US"/>
           </a:p>
         </p:txBody>
       </p:sp>
       <p:sp>
         <p:nvSpPr>
-          <p:cNvPr id="7" name="Номер слайда 6"/>
+          <p:cNvPr id="7" name="Slide Number Placeholder 6"/>
           <p:cNvSpPr>
             <a:spLocks noGrp="1"/>
           </p:cNvSpPr>
@@ -3552,10 +3552,10 @@
           <a:lstStyle/>
           <a:p>
             <a:fld id="{D4F746F0-B2C7-482B-A33D-CBC53CF30FB7}" type="slidenum">
-              <a:rPr lang="ru-RU" smtClean="0"/>
+              <a:rPr lang="en-US" smtClean="0"/>
               <a:t>‹#›</a:t>
             </a:fld>
-            <a:endParaRPr lang="ru-RU"/>
+            <a:endParaRPr lang="en-US"/>
           </a:p>
         </p:txBody>
       </p:sp>
@@ -13600,7 +13600,7 @@
       </p:sp>
       <p:sp>
         <p:nvSpPr>
-          <p:cNvPr id="2" name="Заголовок 1"/>
+          <p:cNvPr id="2" name="Title 1"/>
           <p:cNvSpPr>
             <a:spLocks noGrp="1"/>
           </p:cNvSpPr>
@@ -13624,16 +13624,16 @@
           <a:lstStyle/>
           <a:p>
             <a:r>
-              <a:rPr lang="ru-RU" dirty="0" smtClean="0"/>
-              <a:t>Образец заголовка</a:t>
+              <a:rPr lang="en-US" dirty="0" smtClean="0"/>
+              <a:t>Click to edit Master title style</a:t>
             </a:r>
-            <a:endParaRPr lang="ru-RU" dirty="0"/>
+            <a:endParaRPr lang="en-US" dirty="0"/>
           </a:p>
         </p:txBody>
       </p:sp>
       <p:sp>
         <p:nvSpPr>
-          <p:cNvPr id="3" name="Текст 2"/>
+          <p:cNvPr id="3" name="Text Placeholder 2"/>
           <p:cNvSpPr>
             <a:spLocks noGrp="1"/>
           </p:cNvSpPr>
@@ -13658,44 +13658,44 @@
           <a:p>
             <a:pPr lvl="0"/>
             <a:r>
-              <a:rPr lang="ru-RU" dirty="0" smtClean="0"/>
-              <a:t>Образец текста</a:t>
+              <a:rPr lang="en-US" dirty="0" smtClean="0"/>
+              <a:t>Click to edit Master text styles</a:t>
             </a:r>
           </a:p>
           <a:p>
             <a:pPr lvl="1"/>
             <a:r>
-              <a:rPr lang="ru-RU" dirty="0" smtClean="0"/>
-              <a:t>Второй уровень</a:t>
+              <a:rPr lang="en-US" dirty="0" smtClean="0"/>
+              <a:t>Second level</a:t>
             </a:r>
           </a:p>
           <a:p>
             <a:pPr lvl="2"/>
             <a:r>
-              <a:rPr lang="ru-RU" dirty="0" smtClean="0"/>
-              <a:t>Третий уровень</a:t>
+              <a:rPr lang="en-US" dirty="0" smtClean="0"/>
+              <a:t>Third level</a:t>
             </a:r>
           </a:p>
           <a:p>
             <a:pPr lvl="3"/>
             <a:r>
-              <a:rPr lang="ru-RU" dirty="0" smtClean="0"/>
-              <a:t>Четвертый уровень</a:t>
+              <a:rPr lang="en-US" dirty="0" smtClean="0"/>
+              <a:t>Fourth level</a:t>
             </a:r>
           </a:p>
           <a:p>
             <a:pPr lvl="4"/>
             <a:r>
-              <a:rPr lang="ru-RU" dirty="0" smtClean="0"/>
-              <a:t>Пятый уровень</a:t>
+              <a:rPr lang="en-US" dirty="0" smtClean="0"/>
+              <a:t>Fifth level</a:t>
             </a:r>
-            <a:endParaRPr lang="ru-RU" dirty="0"/>
+            <a:endParaRPr lang="en-US" dirty="0"/>
           </a:p>
         </p:txBody>
       </p:sp>
       <p:sp>
         <p:nvSpPr>
-          <p:cNvPr id="4" name="Дата 3"/>
+          <p:cNvPr id="4" name="Date Placeholder 3"/>
           <p:cNvSpPr>
             <a:spLocks noGrp="1"/>
           </p:cNvSpPr>
@@ -13727,16 +13727,16 @@
           </a:lstStyle>
           <a:p>
             <a:fld id="{64DD35C3-21A0-4EF9-918E-2D5226C340E0}" type="datetimeFigureOut">
-              <a:rPr lang="ru-RU" smtClean="0"/>
+              <a:rPr lang="en-US" smtClean="0"/>
               <a:t>22.10.2013</a:t>
             </a:fld>
-            <a:endParaRPr lang="ru-RU"/>
+            <a:endParaRPr lang="en-US"/>
           </a:p>
         </p:txBody>
       </p:sp>
       <p:sp>
         <p:nvSpPr>
-          <p:cNvPr id="5" name="Нижний колонтитул 4"/>
+          <p:cNvPr id="5" name="Footer Placeholder 4"/>
           <p:cNvSpPr>
             <a:spLocks noGrp="1"/>
           </p:cNvSpPr>
@@ -13767,13 +13767,13 @@
             </a:lvl1pPr>
           </a:lstStyle>
           <a:p>
-            <a:endParaRPr lang="ru-RU"/>
+            <a:endParaRPr lang="en-US"/>
           </a:p>
         </p:txBody>
       </p:sp>
       <p:sp>
         <p:nvSpPr>
-          <p:cNvPr id="6" name="Номер слайда 5"/>
+          <p:cNvPr id="6" name="Slide Number Placeholder 5"/>
           <p:cNvSpPr>
             <a:spLocks noGrp="1"/>
           </p:cNvSpPr>
@@ -13805,10 +13805,10 @@
           </a:lstStyle>
           <a:p>
             <a:fld id="{D4F746F0-B2C7-482B-A33D-CBC53CF30FB7}" type="slidenum">
-              <a:rPr lang="ru-RU" smtClean="0"/>
+              <a:rPr lang="en-US" smtClean="0"/>
               <a:t>‹#›</a:t>
             </a:fld>
-            <a:endParaRPr lang="ru-RU"/>
+            <a:endParaRPr lang="en-US"/>
           </a:p>
         </p:txBody>
       </p:sp>
@@ -13989,7 +13989,7 @@
     </p:bodyStyle>
     <p:otherStyle>
       <a:defPPr>
-        <a:defRPr lang="ru-RU"/>
+        <a:defRPr lang="en-US"/>
       </a:defPPr>
       <a:lvl1pPr marL="0" algn="l" defTabSz="914400" rtl="0" eaLnBrk="1" latinLnBrk="0" hangingPunct="1">
         <a:defRPr sz="1800" kern="1200">
@@ -14105,7 +14105,7 @@
       </p:grpSpPr>
       <p:sp>
         <p:nvSpPr>
-          <p:cNvPr id="5" name="Подзаголовок 4"/>
+          <p:cNvPr id="5" name="Subtitle 4"/>
           <p:cNvSpPr>
             <a:spLocks noGrp="1"/>
           </p:cNvSpPr>
@@ -14120,13 +14120,13 @@
           </a:bodyPr>
           <a:lstStyle/>
           <a:p>
-            <a:endParaRPr lang="ru-RU" dirty="0"/>
+            <a:endParaRPr lang="en-US" dirty="0"/>
           </a:p>
         </p:txBody>
       </p:sp>
       <p:sp>
         <p:nvSpPr>
-          <p:cNvPr id="4" name="Заголовок 3"/>
+          <p:cNvPr id="4" name="Title 3"/>
           <p:cNvSpPr>
             <a:spLocks noGrp="1"/>
           </p:cNvSpPr>
@@ -14139,7 +14139,7 @@
           <a:bodyPr/>
           <a:lstStyle/>
           <a:p>
-            <a:endParaRPr lang="ru-RU" dirty="0"/>
+            <a:endParaRPr lang="en-US" dirty="0"/>
           </a:p>
         </p:txBody>
       </p:sp>
@@ -14204,7 +14204,7 @@
         <a:srgbClr val="3EBBF0"/>
       </a:folHlink>
     </a:clrScheme>
-    <a:fontScheme name="Классическая">
+    <a:fontScheme name="Classic">
       <a:majorFont>
         <a:latin typeface="Arial"/>
         <a:ea typeface=""/>
@@ -14276,7 +14276,7 @@
         <a:font script="Geor" typeface="Sylfaen"/>
       </a:minorFont>
     </a:fontScheme>
-    <a:fmtScheme name="Стандартная">
+    <a:fmtScheme name="Standard">
       <a:fillStyleLst>
         <a:solidFill>
           <a:schemeClr val="phClr"/>
@@ -14451,7 +14451,7 @@
 <file path=ppt/theme/theme2.xml><?xml version="1.0" encoding="utf-8"?>
 <a:theme xmlns:a="http://schemas.openxmlformats.org/drawingml/2006/main" name="Тема Office">
   <a:themeElements>
-    <a:clrScheme name="Стандартная">
+    <a:clrScheme name="Standard">
       <a:dk1>
         <a:sysClr val="windowText" lastClr="000000"/>
       </a:dk1>
@@ -14489,7 +14489,7 @@
         <a:srgbClr val="800080"/>
       </a:folHlink>
     </a:clrScheme>
-    <a:fontScheme name="Стандартная">
+    <a:fontScheme name="Standard">
       <a:majorFont>
         <a:latin typeface="Arial"/>
         <a:ea typeface=""/>
@@ -14561,7 +14561,7 @@
         <a:font script="Geor" typeface="Sylfaen"/>
       </a:minorFont>
     </a:fontScheme>
-    <a:fmtScheme name="Стандартная">
+    <a:fmtScheme name="Standard">
       <a:fillStyleLst>
         <a:solidFill>
           <a:schemeClr val="phClr"/>
@@ -14736,7 +14736,7 @@
 <file path=ppt/theme/theme3.xml><?xml version="1.0" encoding="utf-8"?>
 <a:theme xmlns:a="http://schemas.openxmlformats.org/drawingml/2006/main" name="Тема Office">
   <a:themeElements>
-    <a:clrScheme name="Стандартная">
+    <a:clrScheme name="Standard">
       <a:dk1>
         <a:sysClr val="windowText" lastClr="000000"/>
       </a:dk1>
@@ -14774,7 +14774,7 @@
         <a:srgbClr val="800080"/>
       </a:folHlink>
     </a:clrScheme>
-    <a:fontScheme name="Стандартная">
+    <a:fontScheme name="Standard">
       <a:majorFont>
         <a:latin typeface="Arial"/>
         <a:ea typeface=""/>
@@ -14846,7 +14846,7 @@
         <a:font script="Geor" typeface="Sylfaen"/>
       </a:minorFont>
     </a:fontScheme>
-    <a:fmtScheme name="Стандартная">
+    <a:fmtScheme name="Standard">
       <a:fillStyleLst>
         <a:solidFill>
           <a:schemeClr val="phClr"/>
